--- a/slide/3 Introduction to Causal Inference.pptx
+++ b/slide/3 Introduction to Causal Inference.pptx
@@ -140,8 +140,7 @@
 <file path=ppt/revisionInfo.xml><?xml version="1.0" encoding="utf-8"?>
 <p1510:revInfo xmlns:a="http://schemas.openxmlformats.org/drawingml/2006/main" xmlns:r="http://schemas.openxmlformats.org/officeDocument/2006/relationships" xmlns:p1510="http://schemas.microsoft.com/office/powerpoint/2015/10/main">
   <p1510:revLst>
-    <p1510:client id="{033A6371-6DA5-AD47-BA2E-05AD53E8C3D7}" v="114" dt="2025-01-14T02:01:14.686"/>
-    <p1510:client id="{23B63E42-CCD8-FC4E-8A85-F2FA33F67A5F}" v="8" dt="2025-01-14T14:29:15.467"/>
+    <p1510:client id="{17D89387-8394-674D-BCD5-DA171F331EA7}" v="15" dt="2026-01-13T03:55:42.938"/>
   </p1510:revLst>
 </p1510:revInfo>
 </file>
@@ -149,20 +148,20 @@
 <file path=ppt/changesInfos/changesInfo1.xml><?xml version="1.0" encoding="utf-8"?>
 <pc:chgInfo xmlns:a="http://schemas.openxmlformats.org/drawingml/2006/main" xmlns:r="http://schemas.openxmlformats.org/officeDocument/2006/relationships" xmlns:ac="http://schemas.microsoft.com/office/drawing/2013/main/command" xmlns:pc="http://schemas.microsoft.com/office/powerpoint/2013/main/command">
   <pc:docChgLst>
-    <pc:chgData name="Sebastian Vallejo Vera" userId="661f42ee-5565-49c4-8b1d-325f2d699b91" providerId="ADAL" clId="{033A6371-6DA5-AD47-BA2E-05AD53E8C3D7}"/>
-    <pc:docChg chg="custSel modSld">
-      <pc:chgData name="Sebastian Vallejo Vera" userId="661f42ee-5565-49c4-8b1d-325f2d699b91" providerId="ADAL" clId="{033A6371-6DA5-AD47-BA2E-05AD53E8C3D7}" dt="2025-01-14T02:01:14.686" v="115"/>
+    <pc:chgData name="Sebastian Vallejo Vera" userId="661f42ee-5565-49c4-8b1d-325f2d699b91" providerId="ADAL" clId="{A248EEF8-C29E-592E-8CA9-13334A969EB7}"/>
+    <pc:docChg chg="modSld">
+      <pc:chgData name="Sebastian Vallejo Vera" userId="661f42ee-5565-49c4-8b1d-325f2d699b91" providerId="ADAL" clId="{A248EEF8-C29E-592E-8CA9-13334A969EB7}" dt="2026-01-13T03:59:50.021" v="29" actId="20577"/>
       <pc:docMkLst>
         <pc:docMk/>
       </pc:docMkLst>
       <pc:sldChg chg="modSp">
-        <pc:chgData name="Sebastian Vallejo Vera" userId="661f42ee-5565-49c4-8b1d-325f2d699b91" providerId="ADAL" clId="{033A6371-6DA5-AD47-BA2E-05AD53E8C3D7}" dt="2025-01-14T01:55:22.134" v="107" actId="20577"/>
+        <pc:chgData name="Sebastian Vallejo Vera" userId="661f42ee-5565-49c4-8b1d-325f2d699b91" providerId="ADAL" clId="{A248EEF8-C29E-592E-8CA9-13334A969EB7}" dt="2026-01-13T03:55:42.938" v="14" actId="20577"/>
         <pc:sldMkLst>
           <pc:docMk/>
           <pc:sldMk cId="328487814" sldId="286"/>
         </pc:sldMkLst>
         <pc:spChg chg="mod">
-          <ac:chgData name="Sebastian Vallejo Vera" userId="661f42ee-5565-49c4-8b1d-325f2d699b91" providerId="ADAL" clId="{033A6371-6DA5-AD47-BA2E-05AD53E8C3D7}" dt="2025-01-14T01:55:22.134" v="107" actId="20577"/>
+          <ac:chgData name="Sebastian Vallejo Vera" userId="661f42ee-5565-49c4-8b1d-325f2d699b91" providerId="ADAL" clId="{A248EEF8-C29E-592E-8CA9-13334A969EB7}" dt="2026-01-13T03:55:42.938" v="14" actId="20577"/>
           <ac:spMkLst>
             <pc:docMk/>
             <pc:sldMk cId="328487814" sldId="286"/>
@@ -170,29 +169,14 @@
           </ac:spMkLst>
         </pc:spChg>
       </pc:sldChg>
-      <pc:sldChg chg="modSp">
-        <pc:chgData name="Sebastian Vallejo Vera" userId="661f42ee-5565-49c4-8b1d-325f2d699b91" providerId="ADAL" clId="{033A6371-6DA5-AD47-BA2E-05AD53E8C3D7}" dt="2025-01-14T01:56:38.365" v="110" actId="313"/>
-        <pc:sldMkLst>
-          <pc:docMk/>
-          <pc:sldMk cId="1098778315" sldId="290"/>
-        </pc:sldMkLst>
-        <pc:spChg chg="mod">
-          <ac:chgData name="Sebastian Vallejo Vera" userId="661f42ee-5565-49c4-8b1d-325f2d699b91" providerId="ADAL" clId="{033A6371-6DA5-AD47-BA2E-05AD53E8C3D7}" dt="2025-01-14T01:56:38.365" v="110" actId="313"/>
-          <ac:spMkLst>
-            <pc:docMk/>
-            <pc:sldMk cId="1098778315" sldId="290"/>
-            <ac:spMk id="3" creationId="{64DEAC13-4DAB-EC46-21F0-59F1F2DEF7FE}"/>
-          </ac:spMkLst>
-        </pc:spChg>
-      </pc:sldChg>
       <pc:sldChg chg="modSp mod">
-        <pc:chgData name="Sebastian Vallejo Vera" userId="661f42ee-5565-49c4-8b1d-325f2d699b91" providerId="ADAL" clId="{033A6371-6DA5-AD47-BA2E-05AD53E8C3D7}" dt="2025-01-14T02:00:28.689" v="112" actId="33524"/>
+        <pc:chgData name="Sebastian Vallejo Vera" userId="661f42ee-5565-49c4-8b1d-325f2d699b91" providerId="ADAL" clId="{A248EEF8-C29E-592E-8CA9-13334A969EB7}" dt="2026-01-13T03:59:14.490" v="28" actId="20577"/>
         <pc:sldMkLst>
           <pc:docMk/>
           <pc:sldMk cId="2211516910" sldId="292"/>
         </pc:sldMkLst>
         <pc:spChg chg="mod">
-          <ac:chgData name="Sebastian Vallejo Vera" userId="661f42ee-5565-49c4-8b1d-325f2d699b91" providerId="ADAL" clId="{033A6371-6DA5-AD47-BA2E-05AD53E8C3D7}" dt="2025-01-14T02:00:28.689" v="112" actId="33524"/>
+          <ac:chgData name="Sebastian Vallejo Vera" userId="661f42ee-5565-49c4-8b1d-325f2d699b91" providerId="ADAL" clId="{A248EEF8-C29E-592E-8CA9-13334A969EB7}" dt="2026-01-13T03:59:14.490" v="28" actId="20577"/>
           <ac:spMkLst>
             <pc:docMk/>
             <pc:sldMk cId="2211516910" sldId="292"/>
@@ -200,34 +184,33 @@
           </ac:spMkLst>
         </pc:spChg>
       </pc:sldChg>
-      <pc:sldChg chg="modAnim">
-        <pc:chgData name="Sebastian Vallejo Vera" userId="661f42ee-5565-49c4-8b1d-325f2d699b91" providerId="ADAL" clId="{033A6371-6DA5-AD47-BA2E-05AD53E8C3D7}" dt="2025-01-14T02:01:14.686" v="115"/>
+      <pc:sldChg chg="modSp mod">
+        <pc:chgData name="Sebastian Vallejo Vera" userId="661f42ee-5565-49c4-8b1d-325f2d699b91" providerId="ADAL" clId="{A248EEF8-C29E-592E-8CA9-13334A969EB7}" dt="2026-01-13T03:58:41.754" v="15" actId="20577"/>
         <pc:sldMkLst>
           <pc:docMk/>
-          <pc:sldMk cId="4008440874" sldId="293"/>
+          <pc:sldMk cId="1512667270" sldId="295"/>
         </pc:sldMkLst>
+        <pc:spChg chg="mod">
+          <ac:chgData name="Sebastian Vallejo Vera" userId="661f42ee-5565-49c4-8b1d-325f2d699b91" providerId="ADAL" clId="{A248EEF8-C29E-592E-8CA9-13334A969EB7}" dt="2026-01-13T03:58:41.754" v="15" actId="20577"/>
+          <ac:spMkLst>
+            <pc:docMk/>
+            <pc:sldMk cId="1512667270" sldId="295"/>
+            <ac:spMk id="3" creationId="{4F31C943-543E-8F2F-5106-B1BB14143068}"/>
+          </ac:spMkLst>
+        </pc:spChg>
       </pc:sldChg>
-    </pc:docChg>
-  </pc:docChgLst>
-  <pc:docChgLst>
-    <pc:chgData name="Sebastian Vallejo Vera" userId="661f42ee-5565-49c4-8b1d-325f2d699b91" providerId="ADAL" clId="{23B63E42-CCD8-FC4E-8A85-F2FA33F67A5F}"/>
-    <pc:docChg chg="modSld">
-      <pc:chgData name="Sebastian Vallejo Vera" userId="661f42ee-5565-49c4-8b1d-325f2d699b91" providerId="ADAL" clId="{23B63E42-CCD8-FC4E-8A85-F2FA33F67A5F}" dt="2025-01-14T14:29:15.467" v="7" actId="20577"/>
-      <pc:docMkLst>
-        <pc:docMk/>
-      </pc:docMkLst>
-      <pc:sldChg chg="modSp">
-        <pc:chgData name="Sebastian Vallejo Vera" userId="661f42ee-5565-49c4-8b1d-325f2d699b91" providerId="ADAL" clId="{23B63E42-CCD8-FC4E-8A85-F2FA33F67A5F}" dt="2025-01-14T14:29:15.467" v="7" actId="20577"/>
+      <pc:sldChg chg="modSp mod">
+        <pc:chgData name="Sebastian Vallejo Vera" userId="661f42ee-5565-49c4-8b1d-325f2d699b91" providerId="ADAL" clId="{A248EEF8-C29E-592E-8CA9-13334A969EB7}" dt="2026-01-13T03:59:50.021" v="29" actId="20577"/>
         <pc:sldMkLst>
           <pc:docMk/>
-          <pc:sldMk cId="328487814" sldId="286"/>
+          <pc:sldMk cId="3608606156" sldId="297"/>
         </pc:sldMkLst>
         <pc:spChg chg="mod">
-          <ac:chgData name="Sebastian Vallejo Vera" userId="661f42ee-5565-49c4-8b1d-325f2d699b91" providerId="ADAL" clId="{23B63E42-CCD8-FC4E-8A85-F2FA33F67A5F}" dt="2025-01-14T14:29:15.467" v="7" actId="20577"/>
+          <ac:chgData name="Sebastian Vallejo Vera" userId="661f42ee-5565-49c4-8b1d-325f2d699b91" providerId="ADAL" clId="{A248EEF8-C29E-592E-8CA9-13334A969EB7}" dt="2026-01-13T03:59:50.021" v="29" actId="20577"/>
           <ac:spMkLst>
             <pc:docMk/>
-            <pc:sldMk cId="328487814" sldId="286"/>
-            <ac:spMk id="5" creationId="{2C75B29B-ED4B-A45B-D8DB-498ADBA03B6F}"/>
+            <pc:sldMk cId="3608606156" sldId="297"/>
+            <ac:spMk id="3" creationId="{F2B29BEF-E803-2B3D-63D0-1CAA490943F4}"/>
           </ac:spMkLst>
         </pc:spChg>
       </pc:sldChg>
@@ -1306,6 +1289,13 @@
             <a:tailEnd/>
           </a:ln>
         </p:spPr>
+        <p:txBody>
+          <a:bodyPr/>
+          <a:lstStyle/>
+          <a:p>
+            <a:endParaRPr lang="en-US"/>
+          </a:p>
+        </p:txBody>
       </p:sp>
       <p:sp>
         <p:nvSpPr>
@@ -1447,7 +1437,7 @@
           <a:p>
             <a:fld id="{F0A7FFD6-0D80-574C-8DB8-5DC82B70FEA2}" type="datetimeFigureOut">
               <a:rPr lang="en-US" smtClean="0"/>
-              <a:t>1/14/25</a:t>
+              <a:t>1/12/26</a:t>
             </a:fld>
             <a:endParaRPr lang="en-US"/>
           </a:p>
@@ -1562,6 +1552,13 @@
             <a:schemeClr val="lt1"/>
           </a:fontRef>
         </p:style>
+        <p:txBody>
+          <a:bodyPr/>
+          <a:lstStyle/>
+          <a:p>
+            <a:endParaRPr lang="en-US"/>
+          </a:p>
+        </p:txBody>
       </p:sp>
     </p:spTree>
     <p:extLst>
@@ -1685,7 +1682,7 @@
           <a:p>
             <a:fld id="{F0A7FFD6-0D80-574C-8DB8-5DC82B70FEA2}" type="datetimeFigureOut">
               <a:rPr lang="en-US" smtClean="0"/>
-              <a:t>1/14/25</a:t>
+              <a:t>1/12/26</a:t>
             </a:fld>
             <a:endParaRPr lang="en-US"/>
           </a:p>
@@ -1865,7 +1862,7 @@
           <a:p>
             <a:fld id="{F0A7FFD6-0D80-574C-8DB8-5DC82B70FEA2}" type="datetimeFigureOut">
               <a:rPr lang="en-US" smtClean="0"/>
-              <a:t>1/14/25</a:t>
+              <a:t>1/12/26</a:t>
             </a:fld>
             <a:endParaRPr lang="en-US"/>
           </a:p>
@@ -2035,7 +2032,7 @@
           <a:p>
             <a:fld id="{F0A7FFD6-0D80-574C-8DB8-5DC82B70FEA2}" type="datetimeFigureOut">
               <a:rPr lang="en-US" smtClean="0"/>
-              <a:t>1/14/25</a:t>
+              <a:t>1/12/26</a:t>
             </a:fld>
             <a:endParaRPr lang="en-US"/>
           </a:p>
@@ -2311,7 +2308,7 @@
           <a:p>
             <a:fld id="{F0A7FFD6-0D80-574C-8DB8-5DC82B70FEA2}" type="datetimeFigureOut">
               <a:rPr lang="en-US" smtClean="0"/>
-              <a:t>1/14/25</a:t>
+              <a:t>1/12/26</a:t>
             </a:fld>
             <a:endParaRPr lang="en-US"/>
           </a:p>
@@ -2721,6 +2718,13 @@
               <a:tailEnd/>
             </a:ln>
           </p:spPr>
+          <p:txBody>
+            <a:bodyPr/>
+            <a:lstStyle/>
+            <a:p>
+              <a:endParaRPr lang="en-US"/>
+            </a:p>
+          </p:txBody>
         </p:sp>
         <p:sp>
           <p:nvSpPr>
@@ -3326,6 +3330,13 @@
               <a:tailEnd/>
             </a:ln>
           </p:spPr>
+          <p:txBody>
+            <a:bodyPr/>
+            <a:lstStyle/>
+            <a:p>
+              <a:endParaRPr lang="en-US"/>
+            </a:p>
+          </p:txBody>
         </p:sp>
       </p:grpSp>
     </p:spTree>
@@ -3512,7 +3523,7 @@
           <a:p>
             <a:fld id="{F0A7FFD6-0D80-574C-8DB8-5DC82B70FEA2}" type="datetimeFigureOut">
               <a:rPr lang="en-US" smtClean="0"/>
-              <a:t>1/14/25</a:t>
+              <a:t>1/12/26</a:t>
             </a:fld>
             <a:endParaRPr lang="en-US"/>
           </a:p>
@@ -3902,7 +3913,7 @@
           <a:p>
             <a:fld id="{F0A7FFD6-0D80-574C-8DB8-5DC82B70FEA2}" type="datetimeFigureOut">
               <a:rPr lang="en-US" smtClean="0"/>
-              <a:t>1/14/25</a:t>
+              <a:t>1/12/26</a:t>
             </a:fld>
             <a:endParaRPr lang="en-US"/>
           </a:p>
@@ -4025,7 +4036,7 @@
           <a:p>
             <a:fld id="{F0A7FFD6-0D80-574C-8DB8-5DC82B70FEA2}" type="datetimeFigureOut">
               <a:rPr lang="en-US" smtClean="0"/>
-              <a:t>1/14/25</a:t>
+              <a:t>1/12/26</a:t>
             </a:fld>
             <a:endParaRPr lang="en-US"/>
           </a:p>
@@ -4120,7 +4131,7 @@
           <a:p>
             <a:fld id="{F0A7FFD6-0D80-574C-8DB8-5DC82B70FEA2}" type="datetimeFigureOut">
               <a:rPr lang="en-US" smtClean="0"/>
-              <a:t>1/14/25</a:t>
+              <a:t>1/12/26</a:t>
             </a:fld>
             <a:endParaRPr lang="en-US"/>
           </a:p>
@@ -4883,7 +4894,7 @@
           <a:p>
             <a:fld id="{F0A7FFD6-0D80-574C-8DB8-5DC82B70FEA2}" type="datetimeFigureOut">
               <a:rPr lang="en-US" smtClean="0"/>
-              <a:t>1/14/25</a:t>
+              <a:t>1/12/26</a:t>
             </a:fld>
             <a:endParaRPr lang="en-US"/>
           </a:p>
@@ -5723,7 +5734,7 @@
           <a:p>
             <a:fld id="{F0A7FFD6-0D80-574C-8DB8-5DC82B70FEA2}" type="datetimeFigureOut">
               <a:rPr lang="en-US" smtClean="0"/>
-              <a:t>1/14/25</a:t>
+              <a:t>1/12/26</a:t>
             </a:fld>
             <a:endParaRPr lang="en-US"/>
           </a:p>
@@ -5950,7 +5961,7 @@
           <a:p>
             <a:fld id="{F0A7FFD6-0D80-574C-8DB8-5DC82B70FEA2}" type="datetimeFigureOut">
               <a:rPr lang="en-US" smtClean="0"/>
-              <a:t>1/14/25</a:t>
+              <a:t>1/12/26</a:t>
             </a:fld>
             <a:endParaRPr lang="en-US"/>
           </a:p>
@@ -6499,6 +6510,13 @@
             <a:tailEnd/>
           </a:ln>
         </p:spPr>
+        <p:txBody>
+          <a:bodyPr/>
+          <a:lstStyle/>
+          <a:p>
+            <a:endParaRPr lang="en-US"/>
+          </a:p>
+        </p:txBody>
       </p:sp>
       <p:sp>
         <p:nvSpPr>
@@ -6537,6 +6555,13 @@
             <a:schemeClr val="lt1"/>
           </a:fontRef>
         </p:style>
+        <p:txBody>
+          <a:bodyPr/>
+          <a:lstStyle/>
+          <a:p>
+            <a:endParaRPr lang="en-US"/>
+          </a:p>
+        </p:txBody>
       </p:sp>
     </p:spTree>
     <p:extLst>
@@ -7989,15 +8014,7 @@
                 <a:pPr lvl="1"/>
                 <a:r>
                   <a:rPr lang="en-US" dirty="0"/>
-                  <a:t>Unless you have a time-machine or a quantum-string something or other, those worlds do not exist (or our current technology does not allow us </a:t>
-                </a:r>
-                <a:r>
-                  <a:rPr lang="en-US"/>
-                  <a:t>to observe them</a:t>
-                </a:r>
-                <a:r>
-                  <a:rPr lang="en-US" dirty="0"/>
-                  <a:t>). </a:t>
+                  <a:t>Unless you have a time-machine or a quantum-string something or other, those worlds do not exist concurrently (or our current technology does not allow us to observe them). </a:t>
                 </a:r>
               </a:p>
               <a:p>
@@ -10149,7 +10166,7 @@
             </a:r>
             <a:r>
               <a:rPr lang="en-US" dirty="0"/>
-              <a:t> to a specific state of the world (to which we could compare to estimate the causal effect of interest).</a:t>
+              <a:t> to a specific state of the world (to which we could compare it to, to estimate the causal effect of interest).</a:t>
             </a:r>
           </a:p>
           <a:p>
@@ -10700,7 +10717,7 @@
           <a:p>
             <a:r>
               <a:rPr lang="en-US" dirty="0"/>
-              <a:t>Unlike our simulated example, we can never be sure that such relevant variable(s) have been left out and their omission might cause us to mistakenly draw (biased) inferences. </a:t>
+              <a:t>Unlike our simulated example, we can never be sure that such relevant variable(s) have been left out, and their omission might cause us to mistakenly draw (biased) inferences. </a:t>
             </a:r>
           </a:p>
           <a:p>
@@ -10966,7 +10983,7 @@
           <a:p>
             <a:r>
               <a:rPr lang="en-US" dirty="0"/>
-              <a:t>Observational data come under different structures and each data structure requires specific treatment to evaluate causal relationships.</a:t>
+              <a:t>Observational data come under different structures, and each data structure requires specific treatment to evaluate causal relationships.</a:t>
             </a:r>
           </a:p>
           <a:p>
